--- a/figures/feyn_epscatt.pptx
+++ b/figures/feyn_epscatt.pptx
@@ -254,7 +254,7 @@
           <a:p>
             <a:fld id="{C18F977F-DE17-0442-8382-E1D95CAF19CA}" type="datetimeFigureOut">
               <a:rPr lang="en-US" smtClean="0"/>
-              <a:t>12/31/19</a:t>
+              <a:t>2/15/20</a:t>
             </a:fld>
             <a:endParaRPr lang="en-US"/>
           </a:p>
@@ -424,7 +424,7 @@
           <a:p>
             <a:fld id="{C18F977F-DE17-0442-8382-E1D95CAF19CA}" type="datetimeFigureOut">
               <a:rPr lang="en-US" smtClean="0"/>
-              <a:t>12/31/19</a:t>
+              <a:t>2/15/20</a:t>
             </a:fld>
             <a:endParaRPr lang="en-US"/>
           </a:p>
@@ -604,7 +604,7 @@
           <a:p>
             <a:fld id="{C18F977F-DE17-0442-8382-E1D95CAF19CA}" type="datetimeFigureOut">
               <a:rPr lang="en-US" smtClean="0"/>
-              <a:t>12/31/19</a:t>
+              <a:t>2/15/20</a:t>
             </a:fld>
             <a:endParaRPr lang="en-US"/>
           </a:p>
@@ -774,7 +774,7 @@
           <a:p>
             <a:fld id="{C18F977F-DE17-0442-8382-E1D95CAF19CA}" type="datetimeFigureOut">
               <a:rPr lang="en-US" smtClean="0"/>
-              <a:t>12/31/19</a:t>
+              <a:t>2/15/20</a:t>
             </a:fld>
             <a:endParaRPr lang="en-US"/>
           </a:p>
@@ -1018,7 +1018,7 @@
           <a:p>
             <a:fld id="{C18F977F-DE17-0442-8382-E1D95CAF19CA}" type="datetimeFigureOut">
               <a:rPr lang="en-US" smtClean="0"/>
-              <a:t>12/31/19</a:t>
+              <a:t>2/15/20</a:t>
             </a:fld>
             <a:endParaRPr lang="en-US"/>
           </a:p>
@@ -1250,7 +1250,7 @@
           <a:p>
             <a:fld id="{C18F977F-DE17-0442-8382-E1D95CAF19CA}" type="datetimeFigureOut">
               <a:rPr lang="en-US" smtClean="0"/>
-              <a:t>12/31/19</a:t>
+              <a:t>2/15/20</a:t>
             </a:fld>
             <a:endParaRPr lang="en-US"/>
           </a:p>
@@ -1617,7 +1617,7 @@
           <a:p>
             <a:fld id="{C18F977F-DE17-0442-8382-E1D95CAF19CA}" type="datetimeFigureOut">
               <a:rPr lang="en-US" smtClean="0"/>
-              <a:t>12/31/19</a:t>
+              <a:t>2/15/20</a:t>
             </a:fld>
             <a:endParaRPr lang="en-US"/>
           </a:p>
@@ -1735,7 +1735,7 @@
           <a:p>
             <a:fld id="{C18F977F-DE17-0442-8382-E1D95CAF19CA}" type="datetimeFigureOut">
               <a:rPr lang="en-US" smtClean="0"/>
-              <a:t>12/31/19</a:t>
+              <a:t>2/15/20</a:t>
             </a:fld>
             <a:endParaRPr lang="en-US"/>
           </a:p>
@@ -1830,7 +1830,7 @@
           <a:p>
             <a:fld id="{C18F977F-DE17-0442-8382-E1D95CAF19CA}" type="datetimeFigureOut">
               <a:rPr lang="en-US" smtClean="0"/>
-              <a:t>12/31/19</a:t>
+              <a:t>2/15/20</a:t>
             </a:fld>
             <a:endParaRPr lang="en-US"/>
           </a:p>
@@ -2107,7 +2107,7 @@
           <a:p>
             <a:fld id="{C18F977F-DE17-0442-8382-E1D95CAF19CA}" type="datetimeFigureOut">
               <a:rPr lang="en-US" smtClean="0"/>
-              <a:t>12/31/19</a:t>
+              <a:t>2/15/20</a:t>
             </a:fld>
             <a:endParaRPr lang="en-US"/>
           </a:p>
@@ -2364,7 +2364,7 @@
           <a:p>
             <a:fld id="{C18F977F-DE17-0442-8382-E1D95CAF19CA}" type="datetimeFigureOut">
               <a:rPr lang="en-US" smtClean="0"/>
-              <a:t>12/31/19</a:t>
+              <a:t>2/15/20</a:t>
             </a:fld>
             <a:endParaRPr lang="en-US"/>
           </a:p>
@@ -2577,7 +2577,7 @@
           <a:p>
             <a:fld id="{C18F977F-DE17-0442-8382-E1D95CAF19CA}" type="datetimeFigureOut">
               <a:rPr lang="en-US" smtClean="0"/>
-              <a:t>12/31/19</a:t>
+              <a:t>2/15/20</a:t>
             </a:fld>
             <a:endParaRPr lang="en-US"/>
           </a:p>
@@ -2982,480 +2982,30 @@
           <a:chExt cx="0" cy="0"/>
         </a:xfrm>
       </p:grpSpPr>
-      <p:grpSp>
-        <p:nvGrpSpPr>
-          <p:cNvPr id="10" name="Group 9"/>
-          <p:cNvGrpSpPr/>
+      <p:pic>
+        <p:nvPicPr>
+          <p:cNvPr id="2" name="Picture 1"/>
+          <p:cNvPicPr>
+            <a:picLocks noChangeAspect="1"/>
+          </p:cNvPicPr>
           <p:nvPr/>
-        </p:nvGrpSpPr>
-        <p:grpSpPr>
+        </p:nvPicPr>
+        <p:blipFill>
+          <a:blip r:embed="rId2"/>
+          <a:stretch>
+            <a:fillRect/>
+          </a:stretch>
+        </p:blipFill>
+        <p:spPr>
           <a:xfrm>
-            <a:off x="1274198" y="391294"/>
-            <a:ext cx="6890203" cy="5964201"/>
-            <a:chOff x="1274198" y="391294"/>
-            <a:chExt cx="6890203" cy="5964201"/>
+            <a:off x="420130" y="0"/>
+            <a:ext cx="8600303" cy="6883081"/>
           </a:xfrm>
-        </p:grpSpPr>
-        <p:pic>
-          <p:nvPicPr>
-            <p:cNvPr id="4" name="Picture 3"/>
-            <p:cNvPicPr>
-              <a:picLocks noChangeAspect="1"/>
-            </p:cNvPicPr>
-            <p:nvPr/>
-          </p:nvPicPr>
-          <p:blipFill>
-            <a:blip r:embed="rId2">
-              <a:extLst>
-                <a:ext uri="{28A0092B-C50C-407E-A947-70E740481C1C}">
-                  <a14:useLocalDpi xmlns:a14="http://schemas.microsoft.com/office/drawing/2010/main" val="0"/>
-                </a:ext>
-              </a:extLst>
-            </a:blip>
-            <a:stretch>
-              <a:fillRect/>
-            </a:stretch>
-          </p:blipFill>
-          <p:spPr>
-            <a:xfrm>
-              <a:off x="1460500" y="927100"/>
-              <a:ext cx="6223000" cy="5003800"/>
-            </a:xfrm>
-            <a:prstGeom prst="rect">
-              <a:avLst/>
-            </a:prstGeom>
-          </p:spPr>
-        </p:pic>
-        <mc:AlternateContent xmlns:mc="http://schemas.openxmlformats.org/markup-compatibility/2006">
-          <mc:Choice xmlns:a14="http://schemas.microsoft.com/office/drawing/2010/main" Requires="a14">
-            <p:sp>
-              <p:nvSpPr>
-                <p:cNvPr id="5" name="TextBox 4"/>
-                <p:cNvSpPr txBox="1"/>
-                <p:nvPr/>
-              </p:nvSpPr>
-              <p:spPr>
-                <a:xfrm>
-                  <a:off x="1274198" y="5801497"/>
-                  <a:ext cx="372603" cy="553998"/>
-                </a:xfrm>
-                <a:prstGeom prst="rect">
-                  <a:avLst/>
-                </a:prstGeom>
-                <a:noFill/>
-              </p:spPr>
-              <p:txBody>
-                <a:bodyPr wrap="none" lIns="0" tIns="0" rIns="0" bIns="0" rtlCol="0">
-                  <a:spAutoFit/>
-                </a:bodyPr>
-                <a:lstStyle/>
-                <a:p>
-                  <a14:m>
-                    <m:oMathPara xmlns:m="http://schemas.openxmlformats.org/officeDocument/2006/math">
-                      <m:oMathParaPr>
-                        <m:jc m:val="centerGroup"/>
-                      </m:oMathParaPr>
-                      <m:oMath xmlns:m="http://schemas.openxmlformats.org/officeDocument/2006/math">
-                        <m:r>
-                          <a:rPr lang="en-US" sz="3600" b="0" i="1" smtClean="0">
-                            <a:latin typeface="Cambria Math" charset="0"/>
-                          </a:rPr>
-                          <m:t>𝑘</m:t>
-                        </m:r>
-                      </m:oMath>
-                    </m:oMathPara>
-                  </a14:m>
-                  <a:endParaRPr lang="en-US" sz="3600" dirty="0"/>
-                </a:p>
-              </p:txBody>
-            </p:sp>
-          </mc:Choice>
-          <mc:Fallback>
-            <p:sp>
-              <p:nvSpPr>
-                <p:cNvPr id="5" name="TextBox 4"/>
-                <p:cNvSpPr txBox="1">
-                  <a:spLocks noRot="1" noChangeAspect="1" noMove="1" noResize="1" noEditPoints="1" noAdjustHandles="1" noChangeArrowheads="1" noChangeShapeType="1" noTextEdit="1"/>
-                </p:cNvSpPr>
-                <p:nvPr/>
-              </p:nvSpPr>
-              <p:spPr>
-                <a:xfrm>
-                  <a:off x="1274198" y="5801497"/>
-                  <a:ext cx="372603" cy="553998"/>
-                </a:xfrm>
-                <a:prstGeom prst="rect">
-                  <a:avLst/>
-                </a:prstGeom>
-                <a:blipFill rotWithShape="0">
-                  <a:blip r:embed="rId3"/>
-                  <a:stretch>
-                    <a:fillRect/>
-                  </a:stretch>
-                </a:blipFill>
-              </p:spPr>
-              <p:txBody>
-                <a:bodyPr/>
-                <a:lstStyle/>
-                <a:p>
-                  <a:r>
-                    <a:rPr lang="en-US">
-                      <a:noFill/>
-                    </a:rPr>
-                    <a:t> </a:t>
-                  </a:r>
-                </a:p>
-              </p:txBody>
-            </p:sp>
-          </mc:Fallback>
-        </mc:AlternateContent>
-        <mc:AlternateContent xmlns:mc="http://schemas.openxmlformats.org/markup-compatibility/2006">
-          <mc:Choice xmlns:a14="http://schemas.microsoft.com/office/drawing/2010/main" Requires="a14">
-            <p:sp>
-              <p:nvSpPr>
-                <p:cNvPr id="6" name="TextBox 5"/>
-                <p:cNvSpPr txBox="1"/>
-                <p:nvPr/>
-              </p:nvSpPr>
-              <p:spPr>
-                <a:xfrm>
-                  <a:off x="1274198" y="926072"/>
-                  <a:ext cx="477695" cy="553998"/>
-                </a:xfrm>
-                <a:prstGeom prst="rect">
-                  <a:avLst/>
-                </a:prstGeom>
-                <a:noFill/>
-              </p:spPr>
-              <p:txBody>
-                <a:bodyPr wrap="none" lIns="0" tIns="0" rIns="0" bIns="0" rtlCol="0">
-                  <a:spAutoFit/>
-                </a:bodyPr>
-                <a:lstStyle/>
-                <a:p>
-                  <a14:m>
-                    <m:oMathPara xmlns:m="http://schemas.openxmlformats.org/officeDocument/2006/math">
-                      <m:oMathParaPr>
-                        <m:jc m:val="centerGroup"/>
-                      </m:oMathParaPr>
-                      <m:oMath xmlns:m="http://schemas.openxmlformats.org/officeDocument/2006/math">
-                        <m:r>
-                          <a:rPr lang="en-US" sz="3600" b="0" i="1" smtClean="0">
-                            <a:latin typeface="Cambria Math" charset="0"/>
-                          </a:rPr>
-                          <m:t>𝑘</m:t>
-                        </m:r>
-                        <m:r>
-                          <a:rPr lang="en-US" sz="3600" b="0" i="1" smtClean="0">
-                            <a:latin typeface="Cambria Math" charset="0"/>
-                          </a:rPr>
-                          <m:t>′</m:t>
-                        </m:r>
-                      </m:oMath>
-                    </m:oMathPara>
-                  </a14:m>
-                  <a:endParaRPr lang="en-US" sz="3600" dirty="0"/>
-                </a:p>
-              </p:txBody>
-            </p:sp>
-          </mc:Choice>
-          <mc:Fallback>
-            <p:sp>
-              <p:nvSpPr>
-                <p:cNvPr id="6" name="TextBox 5"/>
-                <p:cNvSpPr txBox="1">
-                  <a:spLocks noRot="1" noChangeAspect="1" noMove="1" noResize="1" noEditPoints="1" noAdjustHandles="1" noChangeArrowheads="1" noChangeShapeType="1" noTextEdit="1"/>
-                </p:cNvSpPr>
-                <p:nvPr/>
-              </p:nvSpPr>
-              <p:spPr>
-                <a:xfrm>
-                  <a:off x="1274198" y="926072"/>
-                  <a:ext cx="477695" cy="553998"/>
-                </a:xfrm>
-                <a:prstGeom prst="rect">
-                  <a:avLst/>
-                </a:prstGeom>
-                <a:blipFill rotWithShape="0">
-                  <a:blip r:embed="rId4"/>
-                  <a:stretch>
-                    <a:fillRect/>
-                  </a:stretch>
-                </a:blipFill>
-              </p:spPr>
-              <p:txBody>
-                <a:bodyPr/>
-                <a:lstStyle/>
-                <a:p>
-                  <a:r>
-                    <a:rPr lang="en-US">
-                      <a:noFill/>
-                    </a:rPr>
-                    <a:t> </a:t>
-                  </a:r>
-                </a:p>
-              </p:txBody>
-            </p:sp>
-          </mc:Fallback>
-        </mc:AlternateContent>
-        <mc:AlternateContent xmlns:mc="http://schemas.openxmlformats.org/markup-compatibility/2006">
-          <mc:Choice xmlns:a14="http://schemas.microsoft.com/office/drawing/2010/main" Requires="a14">
-            <p:sp>
-              <p:nvSpPr>
-                <p:cNvPr id="7" name="TextBox 6"/>
-                <p:cNvSpPr txBox="1"/>
-                <p:nvPr/>
-              </p:nvSpPr>
-              <p:spPr>
-                <a:xfrm>
-                  <a:off x="7631307" y="5376902"/>
-                  <a:ext cx="367921" cy="553998"/>
-                </a:xfrm>
-                <a:prstGeom prst="rect">
-                  <a:avLst/>
-                </a:prstGeom>
-                <a:noFill/>
-              </p:spPr>
-              <p:txBody>
-                <a:bodyPr wrap="none" lIns="0" tIns="0" rIns="0" bIns="0" rtlCol="0">
-                  <a:spAutoFit/>
-                </a:bodyPr>
-                <a:lstStyle/>
-                <a:p>
-                  <a14:m>
-                    <m:oMathPara xmlns:m="http://schemas.openxmlformats.org/officeDocument/2006/math">
-                      <m:oMathParaPr>
-                        <m:jc m:val="centerGroup"/>
-                      </m:oMathParaPr>
-                      <m:oMath xmlns:m="http://schemas.openxmlformats.org/officeDocument/2006/math">
-                        <m:r>
-                          <a:rPr lang="en-US" sz="3600" b="0" i="1" smtClean="0">
-                            <a:latin typeface="Cambria Math" charset="0"/>
-                          </a:rPr>
-                          <m:t>𝑝</m:t>
-                        </m:r>
-                      </m:oMath>
-                    </m:oMathPara>
-                  </a14:m>
-                  <a:endParaRPr lang="en-US" sz="3600" dirty="0"/>
-                </a:p>
-              </p:txBody>
-            </p:sp>
-          </mc:Choice>
-          <mc:Fallback>
-            <p:sp>
-              <p:nvSpPr>
-                <p:cNvPr id="7" name="TextBox 6"/>
-                <p:cNvSpPr txBox="1">
-                  <a:spLocks noRot="1" noChangeAspect="1" noMove="1" noResize="1" noEditPoints="1" noAdjustHandles="1" noChangeArrowheads="1" noChangeShapeType="1" noTextEdit="1"/>
-                </p:cNvSpPr>
-                <p:nvPr/>
-              </p:nvSpPr>
-              <p:spPr>
-                <a:xfrm>
-                  <a:off x="7631307" y="5376902"/>
-                  <a:ext cx="367921" cy="553998"/>
-                </a:xfrm>
-                <a:prstGeom prst="rect">
-                  <a:avLst/>
-                </a:prstGeom>
-                <a:blipFill rotWithShape="0">
-                  <a:blip r:embed="rId5"/>
-                  <a:stretch>
-                    <a:fillRect/>
-                  </a:stretch>
-                </a:blipFill>
-              </p:spPr>
-              <p:txBody>
-                <a:bodyPr/>
-                <a:lstStyle/>
-                <a:p>
-                  <a:r>
-                    <a:rPr lang="en-US">
-                      <a:noFill/>
-                    </a:rPr>
-                    <a:t> </a:t>
-                  </a:r>
-                </a:p>
-              </p:txBody>
-            </p:sp>
-          </mc:Fallback>
-        </mc:AlternateContent>
-        <mc:AlternateContent xmlns:mc="http://schemas.openxmlformats.org/markup-compatibility/2006">
-          <mc:Choice xmlns:a14="http://schemas.microsoft.com/office/drawing/2010/main" Requires="a14">
-            <p:sp>
-              <p:nvSpPr>
-                <p:cNvPr id="8" name="TextBox 7"/>
-                <p:cNvSpPr txBox="1"/>
-                <p:nvPr/>
-              </p:nvSpPr>
-              <p:spPr>
-                <a:xfrm>
-                  <a:off x="7683500" y="391294"/>
-                  <a:ext cx="480901" cy="553998"/>
-                </a:xfrm>
-                <a:prstGeom prst="rect">
-                  <a:avLst/>
-                </a:prstGeom>
-                <a:noFill/>
-              </p:spPr>
-              <p:txBody>
-                <a:bodyPr wrap="none" lIns="0" tIns="0" rIns="0" bIns="0" rtlCol="0">
-                  <a:spAutoFit/>
-                </a:bodyPr>
-                <a:lstStyle/>
-                <a:p>
-                  <a14:m>
-                    <m:oMathPara xmlns:m="http://schemas.openxmlformats.org/officeDocument/2006/math">
-                      <m:oMathParaPr>
-                        <m:jc m:val="centerGroup"/>
-                      </m:oMathParaPr>
-                      <m:oMath xmlns:m="http://schemas.openxmlformats.org/officeDocument/2006/math">
-                        <m:r>
-                          <a:rPr lang="en-US" sz="3600" b="0" i="1" smtClean="0">
-                            <a:latin typeface="Cambria Math" charset="0"/>
-                          </a:rPr>
-                          <m:t>𝑝</m:t>
-                        </m:r>
-                        <m:r>
-                          <a:rPr lang="en-US" sz="3600" b="0" i="1" smtClean="0">
-                            <a:latin typeface="Cambria Math" charset="0"/>
-                          </a:rPr>
-                          <m:t>′</m:t>
-                        </m:r>
-                      </m:oMath>
-                    </m:oMathPara>
-                  </a14:m>
-                  <a:endParaRPr lang="en-US" sz="3600" dirty="0"/>
-                </a:p>
-              </p:txBody>
-            </p:sp>
-          </mc:Choice>
-          <mc:Fallback>
-            <p:sp>
-              <p:nvSpPr>
-                <p:cNvPr id="8" name="TextBox 7"/>
-                <p:cNvSpPr txBox="1">
-                  <a:spLocks noRot="1" noChangeAspect="1" noMove="1" noResize="1" noEditPoints="1" noAdjustHandles="1" noChangeArrowheads="1" noChangeShapeType="1" noTextEdit="1"/>
-                </p:cNvSpPr>
-                <p:nvPr/>
-              </p:nvSpPr>
-              <p:spPr>
-                <a:xfrm>
-                  <a:off x="7683500" y="391294"/>
-                  <a:ext cx="480901" cy="553998"/>
-                </a:xfrm>
-                <a:prstGeom prst="rect">
-                  <a:avLst/>
-                </a:prstGeom>
-                <a:blipFill rotWithShape="0">
-                  <a:blip r:embed="rId6"/>
-                  <a:stretch>
-                    <a:fillRect/>
-                  </a:stretch>
-                </a:blipFill>
-              </p:spPr>
-              <p:txBody>
-                <a:bodyPr/>
-                <a:lstStyle/>
-                <a:p>
-                  <a:r>
-                    <a:rPr lang="en-US">
-                      <a:noFill/>
-                    </a:rPr>
-                    <a:t> </a:t>
-                  </a:r>
-                </a:p>
-              </p:txBody>
-            </p:sp>
-          </mc:Fallback>
-        </mc:AlternateContent>
-        <mc:AlternateContent xmlns:mc="http://schemas.openxmlformats.org/markup-compatibility/2006">
-          <mc:Choice xmlns:a14="http://schemas.microsoft.com/office/drawing/2010/main" Requires="a14">
-            <p:sp>
-              <p:nvSpPr>
-                <p:cNvPr id="9" name="TextBox 8"/>
-                <p:cNvSpPr txBox="1"/>
-                <p:nvPr/>
-              </p:nvSpPr>
-              <p:spPr>
-                <a:xfrm>
-                  <a:off x="4388039" y="2662534"/>
-                  <a:ext cx="366639" cy="553998"/>
-                </a:xfrm>
-                <a:prstGeom prst="rect">
-                  <a:avLst/>
-                </a:prstGeom>
-                <a:noFill/>
-              </p:spPr>
-              <p:txBody>
-                <a:bodyPr wrap="none" lIns="0" tIns="0" rIns="0" bIns="0" rtlCol="0">
-                  <a:spAutoFit/>
-                </a:bodyPr>
-                <a:lstStyle/>
-                <a:p>
-                  <a14:m>
-                    <m:oMathPara xmlns:m="http://schemas.openxmlformats.org/officeDocument/2006/math">
-                      <m:oMathParaPr>
-                        <m:jc m:val="centerGroup"/>
-                      </m:oMathParaPr>
-                      <m:oMath xmlns:m="http://schemas.openxmlformats.org/officeDocument/2006/math">
-                        <m:r>
-                          <a:rPr lang="en-US" sz="3600" b="0" i="1" smtClean="0">
-                            <a:latin typeface="Cambria Math" charset="0"/>
-                            <a:ea typeface="Cambria Math" charset="0"/>
-                            <a:cs typeface="Cambria Math" charset="0"/>
-                          </a:rPr>
-                          <m:t>𝑞</m:t>
-                        </m:r>
-                      </m:oMath>
-                    </m:oMathPara>
-                  </a14:m>
-                  <a:endParaRPr lang="en-US" sz="3600" dirty="0"/>
-                </a:p>
-              </p:txBody>
-            </p:sp>
-          </mc:Choice>
-          <mc:Fallback>
-            <p:sp>
-              <p:nvSpPr>
-                <p:cNvPr id="9" name="TextBox 8"/>
-                <p:cNvSpPr txBox="1">
-                  <a:spLocks noRot="1" noChangeAspect="1" noMove="1" noResize="1" noEditPoints="1" noAdjustHandles="1" noChangeArrowheads="1" noChangeShapeType="1" noTextEdit="1"/>
-                </p:cNvSpPr>
-                <p:nvPr/>
-              </p:nvSpPr>
-              <p:spPr>
-                <a:xfrm>
-                  <a:off x="4388039" y="2662534"/>
-                  <a:ext cx="366639" cy="553998"/>
-                </a:xfrm>
-                <a:prstGeom prst="rect">
-                  <a:avLst/>
-                </a:prstGeom>
-                <a:blipFill rotWithShape="0">
-                  <a:blip r:embed="rId7"/>
-                  <a:stretch>
-                    <a:fillRect/>
-                  </a:stretch>
-                </a:blipFill>
-              </p:spPr>
-              <p:txBody>
-                <a:bodyPr/>
-                <a:lstStyle/>
-                <a:p>
-                  <a:r>
-                    <a:rPr lang="en-US">
-                      <a:noFill/>
-                    </a:rPr>
-                    <a:t> </a:t>
-                  </a:r>
-                </a:p>
-              </p:txBody>
-            </p:sp>
-          </mc:Fallback>
-        </mc:AlternateContent>
-      </p:grpSp>
+          <a:prstGeom prst="rect">
+            <a:avLst/>
+          </a:prstGeom>
+        </p:spPr>
+      </p:pic>
     </p:spTree>
     <p:extLst>
       <p:ext uri="{BB962C8B-B14F-4D97-AF65-F5344CB8AC3E}">
